--- a/Fiches/Fiche_05_FonctionsRecursives/images/Figures.pptx
+++ b/Fiches/Fiche_05_FonctionsRecursives/images/Figures.pptx
@@ -8,6 +8,7 @@
     <p:sldId id="256" r:id="rId2"/>
     <p:sldId id="257" r:id="rId3"/>
     <p:sldId id="258" r:id="rId4"/>
+    <p:sldId id="259" r:id="rId5"/>
   </p:sldIdLst>
   <p:sldSz cx="12192000" cy="6858000"/>
   <p:notesSz cx="6858000" cy="9144000"/>
@@ -272,7 +273,7 @@
           <a:p>
             <a:fld id="{D460594C-359E-483B-803F-9BA9AB3A558A}" type="datetimeFigureOut">
               <a:rPr lang="fr-FR" smtClean="0"/>
-              <a:t>02/01/2022</a:t>
+              <a:t>11/01/2022</a:t>
             </a:fld>
             <a:endParaRPr lang="fr-FR"/>
           </a:p>
@@ -470,7 +471,7 @@
           <a:p>
             <a:fld id="{D460594C-359E-483B-803F-9BA9AB3A558A}" type="datetimeFigureOut">
               <a:rPr lang="fr-FR" smtClean="0"/>
-              <a:t>02/01/2022</a:t>
+              <a:t>11/01/2022</a:t>
             </a:fld>
             <a:endParaRPr lang="fr-FR"/>
           </a:p>
@@ -678,7 +679,7 @@
           <a:p>
             <a:fld id="{D460594C-359E-483B-803F-9BA9AB3A558A}" type="datetimeFigureOut">
               <a:rPr lang="fr-FR" smtClean="0"/>
-              <a:t>02/01/2022</a:t>
+              <a:t>11/01/2022</a:t>
             </a:fld>
             <a:endParaRPr lang="fr-FR"/>
           </a:p>
@@ -876,7 +877,7 @@
           <a:p>
             <a:fld id="{D460594C-359E-483B-803F-9BA9AB3A558A}" type="datetimeFigureOut">
               <a:rPr lang="fr-FR" smtClean="0"/>
-              <a:t>02/01/2022</a:t>
+              <a:t>11/01/2022</a:t>
             </a:fld>
             <a:endParaRPr lang="fr-FR"/>
           </a:p>
@@ -1151,7 +1152,7 @@
           <a:p>
             <a:fld id="{D460594C-359E-483B-803F-9BA9AB3A558A}" type="datetimeFigureOut">
               <a:rPr lang="fr-FR" smtClean="0"/>
-              <a:t>02/01/2022</a:t>
+              <a:t>11/01/2022</a:t>
             </a:fld>
             <a:endParaRPr lang="fr-FR"/>
           </a:p>
@@ -1416,7 +1417,7 @@
           <a:p>
             <a:fld id="{D460594C-359E-483B-803F-9BA9AB3A558A}" type="datetimeFigureOut">
               <a:rPr lang="fr-FR" smtClean="0"/>
-              <a:t>02/01/2022</a:t>
+              <a:t>11/01/2022</a:t>
             </a:fld>
             <a:endParaRPr lang="fr-FR"/>
           </a:p>
@@ -1828,7 +1829,7 @@
           <a:p>
             <a:fld id="{D460594C-359E-483B-803F-9BA9AB3A558A}" type="datetimeFigureOut">
               <a:rPr lang="fr-FR" smtClean="0"/>
-              <a:t>02/01/2022</a:t>
+              <a:t>11/01/2022</a:t>
             </a:fld>
             <a:endParaRPr lang="fr-FR"/>
           </a:p>
@@ -1969,7 +1970,7 @@
           <a:p>
             <a:fld id="{D460594C-359E-483B-803F-9BA9AB3A558A}" type="datetimeFigureOut">
               <a:rPr lang="fr-FR" smtClean="0"/>
-              <a:t>02/01/2022</a:t>
+              <a:t>11/01/2022</a:t>
             </a:fld>
             <a:endParaRPr lang="fr-FR"/>
           </a:p>
@@ -2082,7 +2083,7 @@
           <a:p>
             <a:fld id="{D460594C-359E-483B-803F-9BA9AB3A558A}" type="datetimeFigureOut">
               <a:rPr lang="fr-FR" smtClean="0"/>
-              <a:t>02/01/2022</a:t>
+              <a:t>11/01/2022</a:t>
             </a:fld>
             <a:endParaRPr lang="fr-FR"/>
           </a:p>
@@ -2393,7 +2394,7 @@
           <a:p>
             <a:fld id="{D460594C-359E-483B-803F-9BA9AB3A558A}" type="datetimeFigureOut">
               <a:rPr lang="fr-FR" smtClean="0"/>
-              <a:t>02/01/2022</a:t>
+              <a:t>11/01/2022</a:t>
             </a:fld>
             <a:endParaRPr lang="fr-FR"/>
           </a:p>
@@ -2681,7 +2682,7 @@
           <a:p>
             <a:fld id="{D460594C-359E-483B-803F-9BA9AB3A558A}" type="datetimeFigureOut">
               <a:rPr lang="fr-FR" smtClean="0"/>
-              <a:t>02/01/2022</a:t>
+              <a:t>11/01/2022</a:t>
             </a:fld>
             <a:endParaRPr lang="fr-FR"/>
           </a:p>
@@ -2922,7 +2923,7 @@
           <a:p>
             <a:fld id="{D460594C-359E-483B-803F-9BA9AB3A558A}" type="datetimeFigureOut">
               <a:rPr lang="fr-FR" smtClean="0"/>
-              <a:t>02/01/2022</a:t>
+              <a:t>11/01/2022</a:t>
             </a:fld>
             <a:endParaRPr lang="fr-FR"/>
           </a:p>
@@ -7845,6 +7846,1597 @@
 </p:sld>
 </file>
 
+<file path=ppt/slides/slide4.xml><?xml version="1.0" encoding="utf-8"?>
+<p:sld xmlns:a="http://schemas.openxmlformats.org/drawingml/2006/main" xmlns:r="http://schemas.openxmlformats.org/officeDocument/2006/relationships" xmlns:p="http://schemas.openxmlformats.org/presentationml/2006/main">
+  <p:cSld>
+    <p:spTree>
+      <p:nvGrpSpPr>
+        <p:cNvPr id="1" name=""/>
+        <p:cNvGrpSpPr/>
+        <p:nvPr/>
+      </p:nvGrpSpPr>
+      <p:grpSpPr>
+        <a:xfrm>
+          <a:off x="0" y="0"/>
+          <a:ext cx="0" cy="0"/>
+          <a:chOff x="0" y="0"/>
+          <a:chExt cx="0" cy="0"/>
+        </a:xfrm>
+      </p:grpSpPr>
+      <p:grpSp>
+        <p:nvGrpSpPr>
+          <p:cNvPr id="9" name="Groupe 8"/>
+          <p:cNvGrpSpPr/>
+          <p:nvPr/>
+        </p:nvGrpSpPr>
+        <p:grpSpPr>
+          <a:xfrm>
+            <a:off x="336000" y="1976926"/>
+            <a:ext cx="10080000" cy="1454174"/>
+            <a:chOff x="1056000" y="4172926"/>
+            <a:chExt cx="10080000" cy="1454174"/>
+          </a:xfrm>
+        </p:grpSpPr>
+        <p:sp>
+          <p:nvSpPr>
+            <p:cNvPr id="5" name="Rectangle : coins arrondis 4">
+              <a:extLst>
+                <a:ext uri="{FF2B5EF4-FFF2-40B4-BE49-F238E27FC236}">
+                  <a16:creationId xmlns:a16="http://schemas.microsoft.com/office/drawing/2014/main" id="{80D2817D-34CD-471A-9EF4-3CCD326AABD7}"/>
+                </a:ext>
+              </a:extLst>
+            </p:cNvPr>
+            <p:cNvSpPr/>
+            <p:nvPr/>
+          </p:nvSpPr>
+          <p:spPr>
+            <a:xfrm>
+              <a:off x="1056000" y="5267100"/>
+              <a:ext cx="1260000" cy="360000"/>
+            </a:xfrm>
+            <a:prstGeom prst="roundRect">
+              <a:avLst/>
+            </a:prstGeom>
+            <a:solidFill>
+              <a:schemeClr val="bg1"/>
+            </a:solidFill>
+            <a:ln w="28575">
+              <a:solidFill>
+                <a:srgbClr val="002060"/>
+              </a:solidFill>
+            </a:ln>
+          </p:spPr>
+          <p:style>
+            <a:lnRef idx="2">
+              <a:schemeClr val="accent1">
+                <a:shade val="50000"/>
+              </a:schemeClr>
+            </a:lnRef>
+            <a:fillRef idx="1">
+              <a:schemeClr val="accent1"/>
+            </a:fillRef>
+            <a:effectRef idx="0">
+              <a:schemeClr val="accent1"/>
+            </a:effectRef>
+            <a:fontRef idx="minor">
+              <a:schemeClr val="lt1"/>
+            </a:fontRef>
+          </p:style>
+          <p:txBody>
+            <a:bodyPr rtlCol="0" anchor="ctr"/>
+            <a:lstStyle/>
+            <a:p>
+              <a:pPr algn="ctr"/>
+              <a:r>
+                <a:rPr lang="fr-FR" sz="1100" b="1" dirty="0" smtClean="0">
+                  <a:solidFill>
+                    <a:schemeClr val="tx1"/>
+                  </a:solidFill>
+                  <a:latin typeface="Courier New" panose="02070309020205020404" pitchFamily="49" charset="0"/>
+                  <a:cs typeface="Courier New" panose="02070309020205020404" pitchFamily="49" charset="0"/>
+                </a:rPr>
+                <a:t>un_rec_v2(4)</a:t>
+              </a:r>
+              <a:endParaRPr lang="fr-FR" sz="1100" b="1" baseline="-25000" dirty="0">
+                <a:solidFill>
+                  <a:schemeClr val="tx1"/>
+                </a:solidFill>
+                <a:latin typeface="Courier New" panose="02070309020205020404" pitchFamily="49" charset="0"/>
+                <a:cs typeface="Courier New" panose="02070309020205020404" pitchFamily="49" charset="0"/>
+              </a:endParaRPr>
+            </a:p>
+          </p:txBody>
+        </p:sp>
+        <p:grpSp>
+          <p:nvGrpSpPr>
+            <p:cNvPr id="2" name="Groupe 1"/>
+            <p:cNvGrpSpPr/>
+            <p:nvPr/>
+          </p:nvGrpSpPr>
+          <p:grpSpPr>
+            <a:xfrm>
+              <a:off x="2522925" y="4902375"/>
+              <a:ext cx="1260000" cy="724725"/>
+              <a:chOff x="2496000" y="4869000"/>
+              <a:chExt cx="1260000" cy="724725"/>
+            </a:xfrm>
+          </p:grpSpPr>
+          <p:sp>
+            <p:nvSpPr>
+              <p:cNvPr id="12" name="Rectangle : coins arrondis 4">
+                <a:extLst>
+                  <a:ext uri="{FF2B5EF4-FFF2-40B4-BE49-F238E27FC236}">
+                    <a16:creationId xmlns:a16="http://schemas.microsoft.com/office/drawing/2014/main" id="{80D2817D-34CD-471A-9EF4-3CCD326AABD7}"/>
+                  </a:ext>
+                </a:extLst>
+              </p:cNvPr>
+              <p:cNvSpPr/>
+              <p:nvPr/>
+            </p:nvSpPr>
+            <p:spPr>
+              <a:xfrm>
+                <a:off x="2496000" y="5233725"/>
+                <a:ext cx="1260000" cy="360000"/>
+              </a:xfrm>
+              <a:prstGeom prst="roundRect">
+                <a:avLst/>
+              </a:prstGeom>
+              <a:solidFill>
+                <a:schemeClr val="bg1"/>
+              </a:solidFill>
+              <a:ln w="28575">
+                <a:solidFill>
+                  <a:srgbClr val="002060"/>
+                </a:solidFill>
+              </a:ln>
+            </p:spPr>
+            <p:style>
+              <a:lnRef idx="2">
+                <a:schemeClr val="accent1">
+                  <a:shade val="50000"/>
+                </a:schemeClr>
+              </a:lnRef>
+              <a:fillRef idx="1">
+                <a:schemeClr val="accent1"/>
+              </a:fillRef>
+              <a:effectRef idx="0">
+                <a:schemeClr val="accent1"/>
+              </a:effectRef>
+              <a:fontRef idx="minor">
+                <a:schemeClr val="lt1"/>
+              </a:fontRef>
+            </p:style>
+            <p:txBody>
+              <a:bodyPr rtlCol="0" anchor="ctr"/>
+              <a:lstStyle/>
+              <a:p>
+                <a:pPr algn="ctr"/>
+                <a:r>
+                  <a:rPr lang="fr-FR" sz="1100" b="1" dirty="0" smtClean="0">
+                    <a:solidFill>
+                      <a:schemeClr val="tx1"/>
+                    </a:solidFill>
+                    <a:latin typeface="Courier New" panose="02070309020205020404" pitchFamily="49" charset="0"/>
+                    <a:cs typeface="Courier New" panose="02070309020205020404" pitchFamily="49" charset="0"/>
+                  </a:rPr>
+                  <a:t>un_rec_v2(4)</a:t>
+                </a:r>
+                <a:endParaRPr lang="fr-FR" sz="1100" b="1" baseline="-25000" dirty="0">
+                  <a:solidFill>
+                    <a:schemeClr val="tx1"/>
+                  </a:solidFill>
+                  <a:latin typeface="Courier New" panose="02070309020205020404" pitchFamily="49" charset="0"/>
+                  <a:cs typeface="Courier New" panose="02070309020205020404" pitchFamily="49" charset="0"/>
+                </a:endParaRPr>
+              </a:p>
+            </p:txBody>
+          </p:sp>
+          <p:sp>
+            <p:nvSpPr>
+              <p:cNvPr id="13" name="Rectangle : coins arrondis 4">
+                <a:extLst>
+                  <a:ext uri="{FF2B5EF4-FFF2-40B4-BE49-F238E27FC236}">
+                    <a16:creationId xmlns:a16="http://schemas.microsoft.com/office/drawing/2014/main" id="{80D2817D-34CD-471A-9EF4-3CCD326AABD7}"/>
+                  </a:ext>
+                </a:extLst>
+              </p:cNvPr>
+              <p:cNvSpPr/>
+              <p:nvPr/>
+            </p:nvSpPr>
+            <p:spPr>
+              <a:xfrm>
+                <a:off x="2496000" y="4869000"/>
+                <a:ext cx="1260000" cy="360000"/>
+              </a:xfrm>
+              <a:prstGeom prst="roundRect">
+                <a:avLst/>
+              </a:prstGeom>
+              <a:solidFill>
+                <a:schemeClr val="bg1"/>
+              </a:solidFill>
+              <a:ln w="28575">
+                <a:solidFill>
+                  <a:srgbClr val="002060"/>
+                </a:solidFill>
+              </a:ln>
+            </p:spPr>
+            <p:style>
+              <a:lnRef idx="2">
+                <a:schemeClr val="accent1">
+                  <a:shade val="50000"/>
+                </a:schemeClr>
+              </a:lnRef>
+              <a:fillRef idx="1">
+                <a:schemeClr val="accent1"/>
+              </a:fillRef>
+              <a:effectRef idx="0">
+                <a:schemeClr val="accent1"/>
+              </a:effectRef>
+              <a:fontRef idx="minor">
+                <a:schemeClr val="lt1"/>
+              </a:fontRef>
+            </p:style>
+            <p:txBody>
+              <a:bodyPr rtlCol="0" anchor="ctr"/>
+              <a:lstStyle/>
+              <a:p>
+                <a:pPr algn="ctr"/>
+                <a:r>
+                  <a:rPr lang="fr-FR" sz="1100" b="1" dirty="0" smtClean="0">
+                    <a:solidFill>
+                      <a:schemeClr val="tx1"/>
+                    </a:solidFill>
+                    <a:latin typeface="Courier New" panose="02070309020205020404" pitchFamily="49" charset="0"/>
+                    <a:cs typeface="Courier New" panose="02070309020205020404" pitchFamily="49" charset="0"/>
+                  </a:rPr>
+                  <a:t>un_rec_v2(3)</a:t>
+                </a:r>
+                <a:endParaRPr lang="fr-FR" sz="1100" b="1" baseline="-25000" dirty="0">
+                  <a:solidFill>
+                    <a:schemeClr val="tx1"/>
+                  </a:solidFill>
+                  <a:latin typeface="Courier New" panose="02070309020205020404" pitchFamily="49" charset="0"/>
+                  <a:cs typeface="Courier New" panose="02070309020205020404" pitchFamily="49" charset="0"/>
+                </a:endParaRPr>
+              </a:p>
+            </p:txBody>
+          </p:sp>
+        </p:grpSp>
+        <p:grpSp>
+          <p:nvGrpSpPr>
+            <p:cNvPr id="3" name="Groupe 2"/>
+            <p:cNvGrpSpPr/>
+            <p:nvPr/>
+          </p:nvGrpSpPr>
+          <p:grpSpPr>
+            <a:xfrm>
+              <a:off x="3989850" y="4540013"/>
+              <a:ext cx="1266150" cy="1087087"/>
+              <a:chOff x="3932325" y="4533038"/>
+              <a:chExt cx="1266150" cy="1087087"/>
+            </a:xfrm>
+          </p:grpSpPr>
+          <p:sp>
+            <p:nvSpPr>
+              <p:cNvPr id="14" name="Rectangle : coins arrondis 4">
+                <a:extLst>
+                  <a:ext uri="{FF2B5EF4-FFF2-40B4-BE49-F238E27FC236}">
+                    <a16:creationId xmlns:a16="http://schemas.microsoft.com/office/drawing/2014/main" id="{80D2817D-34CD-471A-9EF4-3CCD326AABD7}"/>
+                  </a:ext>
+                </a:extLst>
+              </p:cNvPr>
+              <p:cNvSpPr/>
+              <p:nvPr/>
+            </p:nvSpPr>
+            <p:spPr>
+              <a:xfrm>
+                <a:off x="3938475" y="5260125"/>
+                <a:ext cx="1260000" cy="360000"/>
+              </a:xfrm>
+              <a:prstGeom prst="roundRect">
+                <a:avLst/>
+              </a:prstGeom>
+              <a:solidFill>
+                <a:schemeClr val="bg1"/>
+              </a:solidFill>
+              <a:ln w="28575">
+                <a:solidFill>
+                  <a:srgbClr val="002060"/>
+                </a:solidFill>
+              </a:ln>
+            </p:spPr>
+            <p:style>
+              <a:lnRef idx="2">
+                <a:schemeClr val="accent1">
+                  <a:shade val="50000"/>
+                </a:schemeClr>
+              </a:lnRef>
+              <a:fillRef idx="1">
+                <a:schemeClr val="accent1"/>
+              </a:fillRef>
+              <a:effectRef idx="0">
+                <a:schemeClr val="accent1"/>
+              </a:effectRef>
+              <a:fontRef idx="minor">
+                <a:schemeClr val="lt1"/>
+              </a:fontRef>
+            </p:style>
+            <p:txBody>
+              <a:bodyPr rtlCol="0" anchor="ctr"/>
+              <a:lstStyle/>
+              <a:p>
+                <a:pPr algn="ctr"/>
+                <a:r>
+                  <a:rPr lang="fr-FR" sz="1100" b="1" dirty="0" smtClean="0">
+                    <a:solidFill>
+                      <a:schemeClr val="tx1"/>
+                    </a:solidFill>
+                    <a:latin typeface="Courier New" panose="02070309020205020404" pitchFamily="49" charset="0"/>
+                    <a:cs typeface="Courier New" panose="02070309020205020404" pitchFamily="49" charset="0"/>
+                  </a:rPr>
+                  <a:t>un_rec_v2(4)</a:t>
+                </a:r>
+                <a:endParaRPr lang="fr-FR" sz="1100" b="1" baseline="-25000" dirty="0">
+                  <a:solidFill>
+                    <a:schemeClr val="tx1"/>
+                  </a:solidFill>
+                  <a:latin typeface="Courier New" panose="02070309020205020404" pitchFamily="49" charset="0"/>
+                  <a:cs typeface="Courier New" panose="02070309020205020404" pitchFamily="49" charset="0"/>
+                </a:endParaRPr>
+              </a:p>
+            </p:txBody>
+          </p:sp>
+          <p:sp>
+            <p:nvSpPr>
+              <p:cNvPr id="15" name="Rectangle : coins arrondis 4">
+                <a:extLst>
+                  <a:ext uri="{FF2B5EF4-FFF2-40B4-BE49-F238E27FC236}">
+                    <a16:creationId xmlns:a16="http://schemas.microsoft.com/office/drawing/2014/main" id="{80D2817D-34CD-471A-9EF4-3CCD326AABD7}"/>
+                  </a:ext>
+                </a:extLst>
+              </p:cNvPr>
+              <p:cNvSpPr/>
+              <p:nvPr/>
+            </p:nvSpPr>
+            <p:spPr>
+              <a:xfrm>
+                <a:off x="3938475" y="4895400"/>
+                <a:ext cx="1260000" cy="360000"/>
+              </a:xfrm>
+              <a:prstGeom prst="roundRect">
+                <a:avLst/>
+              </a:prstGeom>
+              <a:solidFill>
+                <a:schemeClr val="bg1"/>
+              </a:solidFill>
+              <a:ln w="28575">
+                <a:solidFill>
+                  <a:srgbClr val="002060"/>
+                </a:solidFill>
+              </a:ln>
+            </p:spPr>
+            <p:style>
+              <a:lnRef idx="2">
+                <a:schemeClr val="accent1">
+                  <a:shade val="50000"/>
+                </a:schemeClr>
+              </a:lnRef>
+              <a:fillRef idx="1">
+                <a:schemeClr val="accent1"/>
+              </a:fillRef>
+              <a:effectRef idx="0">
+                <a:schemeClr val="accent1"/>
+              </a:effectRef>
+              <a:fontRef idx="minor">
+                <a:schemeClr val="lt1"/>
+              </a:fontRef>
+            </p:style>
+            <p:txBody>
+              <a:bodyPr rtlCol="0" anchor="ctr"/>
+              <a:lstStyle/>
+              <a:p>
+                <a:pPr algn="ctr"/>
+                <a:r>
+                  <a:rPr lang="fr-FR" sz="1100" b="1" dirty="0" smtClean="0">
+                    <a:solidFill>
+                      <a:schemeClr val="tx1"/>
+                    </a:solidFill>
+                    <a:latin typeface="Courier New" panose="02070309020205020404" pitchFamily="49" charset="0"/>
+                    <a:cs typeface="Courier New" panose="02070309020205020404" pitchFamily="49" charset="0"/>
+                  </a:rPr>
+                  <a:t>un_rec_v2(3)</a:t>
+                </a:r>
+                <a:endParaRPr lang="fr-FR" sz="1100" b="1" baseline="-25000" dirty="0">
+                  <a:solidFill>
+                    <a:schemeClr val="tx1"/>
+                  </a:solidFill>
+                  <a:latin typeface="Courier New" panose="02070309020205020404" pitchFamily="49" charset="0"/>
+                  <a:cs typeface="Courier New" panose="02070309020205020404" pitchFamily="49" charset="0"/>
+                </a:endParaRPr>
+              </a:p>
+            </p:txBody>
+          </p:sp>
+          <p:sp>
+            <p:nvSpPr>
+              <p:cNvPr id="16" name="Rectangle : coins arrondis 4">
+                <a:extLst>
+                  <a:ext uri="{FF2B5EF4-FFF2-40B4-BE49-F238E27FC236}">
+                    <a16:creationId xmlns:a16="http://schemas.microsoft.com/office/drawing/2014/main" id="{80D2817D-34CD-471A-9EF4-3CCD326AABD7}"/>
+                  </a:ext>
+                </a:extLst>
+              </p:cNvPr>
+              <p:cNvSpPr/>
+              <p:nvPr/>
+            </p:nvSpPr>
+            <p:spPr>
+              <a:xfrm>
+                <a:off x="3932325" y="4533038"/>
+                <a:ext cx="1260000" cy="360000"/>
+              </a:xfrm>
+              <a:prstGeom prst="roundRect">
+                <a:avLst/>
+              </a:prstGeom>
+              <a:solidFill>
+                <a:schemeClr val="bg1"/>
+              </a:solidFill>
+              <a:ln w="28575">
+                <a:solidFill>
+                  <a:srgbClr val="002060"/>
+                </a:solidFill>
+              </a:ln>
+            </p:spPr>
+            <p:style>
+              <a:lnRef idx="2">
+                <a:schemeClr val="accent1">
+                  <a:shade val="50000"/>
+                </a:schemeClr>
+              </a:lnRef>
+              <a:fillRef idx="1">
+                <a:schemeClr val="accent1"/>
+              </a:fillRef>
+              <a:effectRef idx="0">
+                <a:schemeClr val="accent1"/>
+              </a:effectRef>
+              <a:fontRef idx="minor">
+                <a:schemeClr val="lt1"/>
+              </a:fontRef>
+            </p:style>
+            <p:txBody>
+              <a:bodyPr rtlCol="0" anchor="ctr"/>
+              <a:lstStyle/>
+              <a:p>
+                <a:pPr algn="ctr"/>
+                <a:r>
+                  <a:rPr lang="fr-FR" sz="1100" b="1" dirty="0" smtClean="0">
+                    <a:solidFill>
+                      <a:schemeClr val="tx1"/>
+                    </a:solidFill>
+                    <a:latin typeface="Courier New" panose="02070309020205020404" pitchFamily="49" charset="0"/>
+                    <a:cs typeface="Courier New" panose="02070309020205020404" pitchFamily="49" charset="0"/>
+                  </a:rPr>
+                  <a:t>un_rec_v2(2)</a:t>
+                </a:r>
+                <a:endParaRPr lang="fr-FR" sz="1100" b="1" baseline="-25000" dirty="0">
+                  <a:solidFill>
+                    <a:schemeClr val="tx1"/>
+                  </a:solidFill>
+                  <a:latin typeface="Courier New" panose="02070309020205020404" pitchFamily="49" charset="0"/>
+                  <a:cs typeface="Courier New" panose="02070309020205020404" pitchFamily="49" charset="0"/>
+                </a:endParaRPr>
+              </a:p>
+            </p:txBody>
+          </p:sp>
+        </p:grpSp>
+        <p:grpSp>
+          <p:nvGrpSpPr>
+            <p:cNvPr id="4" name="Groupe 3"/>
+            <p:cNvGrpSpPr/>
+            <p:nvPr/>
+          </p:nvGrpSpPr>
+          <p:grpSpPr>
+            <a:xfrm>
+              <a:off x="5462925" y="4172926"/>
+              <a:ext cx="1266150" cy="1454174"/>
+              <a:chOff x="5397450" y="4161226"/>
+              <a:chExt cx="1266150" cy="1454174"/>
+            </a:xfrm>
+          </p:grpSpPr>
+          <p:sp>
+            <p:nvSpPr>
+              <p:cNvPr id="17" name="Rectangle : coins arrondis 4">
+                <a:extLst>
+                  <a:ext uri="{FF2B5EF4-FFF2-40B4-BE49-F238E27FC236}">
+                    <a16:creationId xmlns:a16="http://schemas.microsoft.com/office/drawing/2014/main" id="{80D2817D-34CD-471A-9EF4-3CCD326AABD7}"/>
+                  </a:ext>
+                </a:extLst>
+              </p:cNvPr>
+              <p:cNvSpPr/>
+              <p:nvPr/>
+            </p:nvSpPr>
+            <p:spPr>
+              <a:xfrm>
+                <a:off x="5403600" y="5255400"/>
+                <a:ext cx="1260000" cy="360000"/>
+              </a:xfrm>
+              <a:prstGeom prst="roundRect">
+                <a:avLst/>
+              </a:prstGeom>
+              <a:solidFill>
+                <a:schemeClr val="bg1"/>
+              </a:solidFill>
+              <a:ln w="28575">
+                <a:solidFill>
+                  <a:srgbClr val="002060"/>
+                </a:solidFill>
+              </a:ln>
+            </p:spPr>
+            <p:style>
+              <a:lnRef idx="2">
+                <a:schemeClr val="accent1">
+                  <a:shade val="50000"/>
+                </a:schemeClr>
+              </a:lnRef>
+              <a:fillRef idx="1">
+                <a:schemeClr val="accent1"/>
+              </a:fillRef>
+              <a:effectRef idx="0">
+                <a:schemeClr val="accent1"/>
+              </a:effectRef>
+              <a:fontRef idx="minor">
+                <a:schemeClr val="lt1"/>
+              </a:fontRef>
+            </p:style>
+            <p:txBody>
+              <a:bodyPr rtlCol="0" anchor="ctr"/>
+              <a:lstStyle/>
+              <a:p>
+                <a:pPr algn="ctr"/>
+                <a:r>
+                  <a:rPr lang="fr-FR" sz="1100" b="1" dirty="0" smtClean="0">
+                    <a:solidFill>
+                      <a:schemeClr val="tx1"/>
+                    </a:solidFill>
+                    <a:latin typeface="Courier New" panose="02070309020205020404" pitchFamily="49" charset="0"/>
+                    <a:cs typeface="Courier New" panose="02070309020205020404" pitchFamily="49" charset="0"/>
+                  </a:rPr>
+                  <a:t>un_rec_v2(4)</a:t>
+                </a:r>
+                <a:endParaRPr lang="fr-FR" sz="1100" b="1" baseline="-25000" dirty="0">
+                  <a:solidFill>
+                    <a:schemeClr val="tx1"/>
+                  </a:solidFill>
+                  <a:latin typeface="Courier New" panose="02070309020205020404" pitchFamily="49" charset="0"/>
+                  <a:cs typeface="Courier New" panose="02070309020205020404" pitchFamily="49" charset="0"/>
+                </a:endParaRPr>
+              </a:p>
+            </p:txBody>
+          </p:sp>
+          <p:sp>
+            <p:nvSpPr>
+              <p:cNvPr id="18" name="Rectangle : coins arrondis 4">
+                <a:extLst>
+                  <a:ext uri="{FF2B5EF4-FFF2-40B4-BE49-F238E27FC236}">
+                    <a16:creationId xmlns:a16="http://schemas.microsoft.com/office/drawing/2014/main" id="{80D2817D-34CD-471A-9EF4-3CCD326AABD7}"/>
+                  </a:ext>
+                </a:extLst>
+              </p:cNvPr>
+              <p:cNvSpPr/>
+              <p:nvPr/>
+            </p:nvSpPr>
+            <p:spPr>
+              <a:xfrm>
+                <a:off x="5403600" y="4890675"/>
+                <a:ext cx="1260000" cy="360000"/>
+              </a:xfrm>
+              <a:prstGeom prst="roundRect">
+                <a:avLst/>
+              </a:prstGeom>
+              <a:solidFill>
+                <a:schemeClr val="bg1"/>
+              </a:solidFill>
+              <a:ln w="28575">
+                <a:solidFill>
+                  <a:srgbClr val="002060"/>
+                </a:solidFill>
+              </a:ln>
+            </p:spPr>
+            <p:style>
+              <a:lnRef idx="2">
+                <a:schemeClr val="accent1">
+                  <a:shade val="50000"/>
+                </a:schemeClr>
+              </a:lnRef>
+              <a:fillRef idx="1">
+                <a:schemeClr val="accent1"/>
+              </a:fillRef>
+              <a:effectRef idx="0">
+                <a:schemeClr val="accent1"/>
+              </a:effectRef>
+              <a:fontRef idx="minor">
+                <a:schemeClr val="lt1"/>
+              </a:fontRef>
+            </p:style>
+            <p:txBody>
+              <a:bodyPr rtlCol="0" anchor="ctr"/>
+              <a:lstStyle/>
+              <a:p>
+                <a:pPr algn="ctr"/>
+                <a:r>
+                  <a:rPr lang="fr-FR" sz="1100" b="1" dirty="0" smtClean="0">
+                    <a:solidFill>
+                      <a:schemeClr val="tx1"/>
+                    </a:solidFill>
+                    <a:latin typeface="Courier New" panose="02070309020205020404" pitchFamily="49" charset="0"/>
+                    <a:cs typeface="Courier New" panose="02070309020205020404" pitchFamily="49" charset="0"/>
+                  </a:rPr>
+                  <a:t>un_rec_v2(3)</a:t>
+                </a:r>
+                <a:endParaRPr lang="fr-FR" sz="1100" b="1" baseline="-25000" dirty="0">
+                  <a:solidFill>
+                    <a:schemeClr val="tx1"/>
+                  </a:solidFill>
+                  <a:latin typeface="Courier New" panose="02070309020205020404" pitchFamily="49" charset="0"/>
+                  <a:cs typeface="Courier New" panose="02070309020205020404" pitchFamily="49" charset="0"/>
+                </a:endParaRPr>
+              </a:p>
+            </p:txBody>
+          </p:sp>
+          <p:sp>
+            <p:nvSpPr>
+              <p:cNvPr id="19" name="Rectangle : coins arrondis 4">
+                <a:extLst>
+                  <a:ext uri="{FF2B5EF4-FFF2-40B4-BE49-F238E27FC236}">
+                    <a16:creationId xmlns:a16="http://schemas.microsoft.com/office/drawing/2014/main" id="{80D2817D-34CD-471A-9EF4-3CCD326AABD7}"/>
+                  </a:ext>
+                </a:extLst>
+              </p:cNvPr>
+              <p:cNvSpPr/>
+              <p:nvPr/>
+            </p:nvSpPr>
+            <p:spPr>
+              <a:xfrm>
+                <a:off x="5397450" y="4528313"/>
+                <a:ext cx="1260000" cy="360000"/>
+              </a:xfrm>
+              <a:prstGeom prst="roundRect">
+                <a:avLst/>
+              </a:prstGeom>
+              <a:solidFill>
+                <a:schemeClr val="bg1"/>
+              </a:solidFill>
+              <a:ln w="28575">
+                <a:solidFill>
+                  <a:srgbClr val="002060"/>
+                </a:solidFill>
+              </a:ln>
+            </p:spPr>
+            <p:style>
+              <a:lnRef idx="2">
+                <a:schemeClr val="accent1">
+                  <a:shade val="50000"/>
+                </a:schemeClr>
+              </a:lnRef>
+              <a:fillRef idx="1">
+                <a:schemeClr val="accent1"/>
+              </a:fillRef>
+              <a:effectRef idx="0">
+                <a:schemeClr val="accent1"/>
+              </a:effectRef>
+              <a:fontRef idx="minor">
+                <a:schemeClr val="lt1"/>
+              </a:fontRef>
+            </p:style>
+            <p:txBody>
+              <a:bodyPr rtlCol="0" anchor="ctr"/>
+              <a:lstStyle/>
+              <a:p>
+                <a:pPr algn="ctr"/>
+                <a:r>
+                  <a:rPr lang="fr-FR" sz="1100" b="1" dirty="0" smtClean="0">
+                    <a:solidFill>
+                      <a:schemeClr val="tx1"/>
+                    </a:solidFill>
+                    <a:latin typeface="Courier New" panose="02070309020205020404" pitchFamily="49" charset="0"/>
+                    <a:cs typeface="Courier New" panose="02070309020205020404" pitchFamily="49" charset="0"/>
+                  </a:rPr>
+                  <a:t>un_rec_v2(2)</a:t>
+                </a:r>
+                <a:endParaRPr lang="fr-FR" sz="1100" b="1" baseline="-25000" dirty="0">
+                  <a:solidFill>
+                    <a:schemeClr val="tx1"/>
+                  </a:solidFill>
+                  <a:latin typeface="Courier New" panose="02070309020205020404" pitchFamily="49" charset="0"/>
+                  <a:cs typeface="Courier New" panose="02070309020205020404" pitchFamily="49" charset="0"/>
+                </a:endParaRPr>
+              </a:p>
+            </p:txBody>
+          </p:sp>
+          <p:sp>
+            <p:nvSpPr>
+              <p:cNvPr id="20" name="Rectangle : coins arrondis 4">
+                <a:extLst>
+                  <a:ext uri="{FF2B5EF4-FFF2-40B4-BE49-F238E27FC236}">
+                    <a16:creationId xmlns:a16="http://schemas.microsoft.com/office/drawing/2014/main" id="{80D2817D-34CD-471A-9EF4-3CCD326AABD7}"/>
+                  </a:ext>
+                </a:extLst>
+              </p:cNvPr>
+              <p:cNvSpPr/>
+              <p:nvPr/>
+            </p:nvSpPr>
+            <p:spPr>
+              <a:xfrm>
+                <a:off x="5397450" y="4161226"/>
+                <a:ext cx="1260000" cy="360000"/>
+              </a:xfrm>
+              <a:prstGeom prst="roundRect">
+                <a:avLst/>
+              </a:prstGeom>
+              <a:solidFill>
+                <a:schemeClr val="bg1"/>
+              </a:solidFill>
+              <a:ln w="28575">
+                <a:solidFill>
+                  <a:srgbClr val="002060"/>
+                </a:solidFill>
+              </a:ln>
+            </p:spPr>
+            <p:style>
+              <a:lnRef idx="2">
+                <a:schemeClr val="accent1">
+                  <a:shade val="50000"/>
+                </a:schemeClr>
+              </a:lnRef>
+              <a:fillRef idx="1">
+                <a:schemeClr val="accent1"/>
+              </a:fillRef>
+              <a:effectRef idx="0">
+                <a:schemeClr val="accent1"/>
+              </a:effectRef>
+              <a:fontRef idx="minor">
+                <a:schemeClr val="lt1"/>
+              </a:fontRef>
+            </p:style>
+            <p:txBody>
+              <a:bodyPr rtlCol="0" anchor="ctr"/>
+              <a:lstStyle/>
+              <a:p>
+                <a:pPr algn="ctr"/>
+                <a:r>
+                  <a:rPr lang="fr-FR" sz="1100" b="1" dirty="0" smtClean="0">
+                    <a:solidFill>
+                      <a:schemeClr val="tx1"/>
+                    </a:solidFill>
+                    <a:latin typeface="Courier New" panose="02070309020205020404" pitchFamily="49" charset="0"/>
+                    <a:cs typeface="Courier New" panose="02070309020205020404" pitchFamily="49" charset="0"/>
+                  </a:rPr>
+                  <a:t>un_rec_v2(1)</a:t>
+                </a:r>
+                <a:endParaRPr lang="fr-FR" sz="1100" b="1" baseline="-25000" dirty="0">
+                  <a:solidFill>
+                    <a:schemeClr val="tx1"/>
+                  </a:solidFill>
+                  <a:latin typeface="Courier New" panose="02070309020205020404" pitchFamily="49" charset="0"/>
+                  <a:cs typeface="Courier New" panose="02070309020205020404" pitchFamily="49" charset="0"/>
+                </a:endParaRPr>
+              </a:p>
+            </p:txBody>
+          </p:sp>
+        </p:grpSp>
+        <p:grpSp>
+          <p:nvGrpSpPr>
+            <p:cNvPr id="24" name="Groupe 23"/>
+            <p:cNvGrpSpPr/>
+            <p:nvPr/>
+          </p:nvGrpSpPr>
+          <p:grpSpPr>
+            <a:xfrm>
+              <a:off x="6936000" y="4540013"/>
+              <a:ext cx="1266150" cy="1087087"/>
+              <a:chOff x="3932325" y="4533038"/>
+              <a:chExt cx="1266150" cy="1087087"/>
+            </a:xfrm>
+          </p:grpSpPr>
+          <p:sp>
+            <p:nvSpPr>
+              <p:cNvPr id="25" name="Rectangle : coins arrondis 4">
+                <a:extLst>
+                  <a:ext uri="{FF2B5EF4-FFF2-40B4-BE49-F238E27FC236}">
+                    <a16:creationId xmlns:a16="http://schemas.microsoft.com/office/drawing/2014/main" id="{80D2817D-34CD-471A-9EF4-3CCD326AABD7}"/>
+                  </a:ext>
+                </a:extLst>
+              </p:cNvPr>
+              <p:cNvSpPr/>
+              <p:nvPr/>
+            </p:nvSpPr>
+            <p:spPr>
+              <a:xfrm>
+                <a:off x="3938475" y="5260125"/>
+                <a:ext cx="1260000" cy="360000"/>
+              </a:xfrm>
+              <a:prstGeom prst="roundRect">
+                <a:avLst/>
+              </a:prstGeom>
+              <a:solidFill>
+                <a:schemeClr val="bg1"/>
+              </a:solidFill>
+              <a:ln w="28575">
+                <a:solidFill>
+                  <a:srgbClr val="002060"/>
+                </a:solidFill>
+              </a:ln>
+            </p:spPr>
+            <p:style>
+              <a:lnRef idx="2">
+                <a:schemeClr val="accent1">
+                  <a:shade val="50000"/>
+                </a:schemeClr>
+              </a:lnRef>
+              <a:fillRef idx="1">
+                <a:schemeClr val="accent1"/>
+              </a:fillRef>
+              <a:effectRef idx="0">
+                <a:schemeClr val="accent1"/>
+              </a:effectRef>
+              <a:fontRef idx="minor">
+                <a:schemeClr val="lt1"/>
+              </a:fontRef>
+            </p:style>
+            <p:txBody>
+              <a:bodyPr rtlCol="0" anchor="ctr"/>
+              <a:lstStyle/>
+              <a:p>
+                <a:pPr algn="ctr"/>
+                <a:r>
+                  <a:rPr lang="fr-FR" sz="1100" b="1" dirty="0" smtClean="0">
+                    <a:solidFill>
+                      <a:schemeClr val="tx1"/>
+                    </a:solidFill>
+                    <a:latin typeface="Courier New" panose="02070309020205020404" pitchFamily="49" charset="0"/>
+                    <a:cs typeface="Courier New" panose="02070309020205020404" pitchFamily="49" charset="0"/>
+                  </a:rPr>
+                  <a:t>un_rec_v2(4)</a:t>
+                </a:r>
+                <a:endParaRPr lang="fr-FR" sz="1100" b="1" baseline="-25000" dirty="0">
+                  <a:solidFill>
+                    <a:schemeClr val="tx1"/>
+                  </a:solidFill>
+                  <a:latin typeface="Courier New" panose="02070309020205020404" pitchFamily="49" charset="0"/>
+                  <a:cs typeface="Courier New" panose="02070309020205020404" pitchFamily="49" charset="0"/>
+                </a:endParaRPr>
+              </a:p>
+            </p:txBody>
+          </p:sp>
+          <p:sp>
+            <p:nvSpPr>
+              <p:cNvPr id="26" name="Rectangle : coins arrondis 4">
+                <a:extLst>
+                  <a:ext uri="{FF2B5EF4-FFF2-40B4-BE49-F238E27FC236}">
+                    <a16:creationId xmlns:a16="http://schemas.microsoft.com/office/drawing/2014/main" id="{80D2817D-34CD-471A-9EF4-3CCD326AABD7}"/>
+                  </a:ext>
+                </a:extLst>
+              </p:cNvPr>
+              <p:cNvSpPr/>
+              <p:nvPr/>
+            </p:nvSpPr>
+            <p:spPr>
+              <a:xfrm>
+                <a:off x="3938475" y="4895400"/>
+                <a:ext cx="1260000" cy="360000"/>
+              </a:xfrm>
+              <a:prstGeom prst="roundRect">
+                <a:avLst/>
+              </a:prstGeom>
+              <a:solidFill>
+                <a:schemeClr val="bg1"/>
+              </a:solidFill>
+              <a:ln w="28575">
+                <a:solidFill>
+                  <a:srgbClr val="002060"/>
+                </a:solidFill>
+              </a:ln>
+            </p:spPr>
+            <p:style>
+              <a:lnRef idx="2">
+                <a:schemeClr val="accent1">
+                  <a:shade val="50000"/>
+                </a:schemeClr>
+              </a:lnRef>
+              <a:fillRef idx="1">
+                <a:schemeClr val="accent1"/>
+              </a:fillRef>
+              <a:effectRef idx="0">
+                <a:schemeClr val="accent1"/>
+              </a:effectRef>
+              <a:fontRef idx="minor">
+                <a:schemeClr val="lt1"/>
+              </a:fontRef>
+            </p:style>
+            <p:txBody>
+              <a:bodyPr rtlCol="0" anchor="ctr"/>
+              <a:lstStyle/>
+              <a:p>
+                <a:pPr algn="ctr"/>
+                <a:r>
+                  <a:rPr lang="fr-FR" sz="1100" b="1" dirty="0" smtClean="0">
+                    <a:solidFill>
+                      <a:schemeClr val="tx1"/>
+                    </a:solidFill>
+                    <a:latin typeface="Courier New" panose="02070309020205020404" pitchFamily="49" charset="0"/>
+                    <a:cs typeface="Courier New" panose="02070309020205020404" pitchFamily="49" charset="0"/>
+                  </a:rPr>
+                  <a:t>un_rec_v2(3)</a:t>
+                </a:r>
+                <a:endParaRPr lang="fr-FR" sz="1100" b="1" baseline="-25000" dirty="0">
+                  <a:solidFill>
+                    <a:schemeClr val="tx1"/>
+                  </a:solidFill>
+                  <a:latin typeface="Courier New" panose="02070309020205020404" pitchFamily="49" charset="0"/>
+                  <a:cs typeface="Courier New" panose="02070309020205020404" pitchFamily="49" charset="0"/>
+                </a:endParaRPr>
+              </a:p>
+            </p:txBody>
+          </p:sp>
+          <p:sp>
+            <p:nvSpPr>
+              <p:cNvPr id="27" name="Rectangle : coins arrondis 4">
+                <a:extLst>
+                  <a:ext uri="{FF2B5EF4-FFF2-40B4-BE49-F238E27FC236}">
+                    <a16:creationId xmlns:a16="http://schemas.microsoft.com/office/drawing/2014/main" id="{80D2817D-34CD-471A-9EF4-3CCD326AABD7}"/>
+                  </a:ext>
+                </a:extLst>
+              </p:cNvPr>
+              <p:cNvSpPr/>
+              <p:nvPr/>
+            </p:nvSpPr>
+            <p:spPr>
+              <a:xfrm>
+                <a:off x="3932325" y="4533038"/>
+                <a:ext cx="1260000" cy="360000"/>
+              </a:xfrm>
+              <a:prstGeom prst="roundRect">
+                <a:avLst/>
+              </a:prstGeom>
+              <a:solidFill>
+                <a:schemeClr val="bg1"/>
+              </a:solidFill>
+              <a:ln w="28575">
+                <a:solidFill>
+                  <a:srgbClr val="002060"/>
+                </a:solidFill>
+              </a:ln>
+            </p:spPr>
+            <p:style>
+              <a:lnRef idx="2">
+                <a:schemeClr val="accent1">
+                  <a:shade val="50000"/>
+                </a:schemeClr>
+              </a:lnRef>
+              <a:fillRef idx="1">
+                <a:schemeClr val="accent1"/>
+              </a:fillRef>
+              <a:effectRef idx="0">
+                <a:schemeClr val="accent1"/>
+              </a:effectRef>
+              <a:fontRef idx="minor">
+                <a:schemeClr val="lt1"/>
+              </a:fontRef>
+            </p:style>
+            <p:txBody>
+              <a:bodyPr rtlCol="0" anchor="ctr"/>
+              <a:lstStyle/>
+              <a:p>
+                <a:pPr algn="ctr"/>
+                <a:r>
+                  <a:rPr lang="fr-FR" sz="1100" b="1" dirty="0" smtClean="0">
+                    <a:solidFill>
+                      <a:schemeClr val="tx1"/>
+                    </a:solidFill>
+                    <a:latin typeface="Courier New" panose="02070309020205020404" pitchFamily="49" charset="0"/>
+                    <a:cs typeface="Courier New" panose="02070309020205020404" pitchFamily="49" charset="0"/>
+                  </a:rPr>
+                  <a:t>un_rec_v2(2)</a:t>
+                </a:r>
+                <a:endParaRPr lang="fr-FR" sz="1100" b="1" baseline="-25000" dirty="0">
+                  <a:solidFill>
+                    <a:schemeClr val="tx1"/>
+                  </a:solidFill>
+                  <a:latin typeface="Courier New" panose="02070309020205020404" pitchFamily="49" charset="0"/>
+                  <a:cs typeface="Courier New" panose="02070309020205020404" pitchFamily="49" charset="0"/>
+                </a:endParaRPr>
+              </a:p>
+            </p:txBody>
+          </p:sp>
+        </p:grpSp>
+        <p:grpSp>
+          <p:nvGrpSpPr>
+            <p:cNvPr id="36" name="Groupe 35"/>
+            <p:cNvGrpSpPr/>
+            <p:nvPr/>
+          </p:nvGrpSpPr>
+          <p:grpSpPr>
+            <a:xfrm>
+              <a:off x="8409075" y="4902375"/>
+              <a:ext cx="1260000" cy="724725"/>
+              <a:chOff x="2496000" y="4869000"/>
+              <a:chExt cx="1260000" cy="724725"/>
+            </a:xfrm>
+          </p:grpSpPr>
+          <p:sp>
+            <p:nvSpPr>
+              <p:cNvPr id="37" name="Rectangle : coins arrondis 4">
+                <a:extLst>
+                  <a:ext uri="{FF2B5EF4-FFF2-40B4-BE49-F238E27FC236}">
+                    <a16:creationId xmlns:a16="http://schemas.microsoft.com/office/drawing/2014/main" id="{80D2817D-34CD-471A-9EF4-3CCD326AABD7}"/>
+                  </a:ext>
+                </a:extLst>
+              </p:cNvPr>
+              <p:cNvSpPr/>
+              <p:nvPr/>
+            </p:nvSpPr>
+            <p:spPr>
+              <a:xfrm>
+                <a:off x="2496000" y="5233725"/>
+                <a:ext cx="1260000" cy="360000"/>
+              </a:xfrm>
+              <a:prstGeom prst="roundRect">
+                <a:avLst/>
+              </a:prstGeom>
+              <a:solidFill>
+                <a:schemeClr val="bg1"/>
+              </a:solidFill>
+              <a:ln w="28575">
+                <a:solidFill>
+                  <a:srgbClr val="002060"/>
+                </a:solidFill>
+              </a:ln>
+            </p:spPr>
+            <p:style>
+              <a:lnRef idx="2">
+                <a:schemeClr val="accent1">
+                  <a:shade val="50000"/>
+                </a:schemeClr>
+              </a:lnRef>
+              <a:fillRef idx="1">
+                <a:schemeClr val="accent1"/>
+              </a:fillRef>
+              <a:effectRef idx="0">
+                <a:schemeClr val="accent1"/>
+              </a:effectRef>
+              <a:fontRef idx="minor">
+                <a:schemeClr val="lt1"/>
+              </a:fontRef>
+            </p:style>
+            <p:txBody>
+              <a:bodyPr rtlCol="0" anchor="ctr"/>
+              <a:lstStyle/>
+              <a:p>
+                <a:pPr algn="ctr"/>
+                <a:r>
+                  <a:rPr lang="fr-FR" sz="1100" b="1" dirty="0" smtClean="0">
+                    <a:solidFill>
+                      <a:schemeClr val="tx1"/>
+                    </a:solidFill>
+                    <a:latin typeface="Courier New" panose="02070309020205020404" pitchFamily="49" charset="0"/>
+                    <a:cs typeface="Courier New" panose="02070309020205020404" pitchFamily="49" charset="0"/>
+                  </a:rPr>
+                  <a:t>un_rec_v2(4)</a:t>
+                </a:r>
+                <a:endParaRPr lang="fr-FR" sz="1100" b="1" baseline="-25000" dirty="0">
+                  <a:solidFill>
+                    <a:schemeClr val="tx1"/>
+                  </a:solidFill>
+                  <a:latin typeface="Courier New" panose="02070309020205020404" pitchFamily="49" charset="0"/>
+                  <a:cs typeface="Courier New" panose="02070309020205020404" pitchFamily="49" charset="0"/>
+                </a:endParaRPr>
+              </a:p>
+            </p:txBody>
+          </p:sp>
+          <p:sp>
+            <p:nvSpPr>
+              <p:cNvPr id="38" name="Rectangle : coins arrondis 4">
+                <a:extLst>
+                  <a:ext uri="{FF2B5EF4-FFF2-40B4-BE49-F238E27FC236}">
+                    <a16:creationId xmlns:a16="http://schemas.microsoft.com/office/drawing/2014/main" id="{80D2817D-34CD-471A-9EF4-3CCD326AABD7}"/>
+                  </a:ext>
+                </a:extLst>
+              </p:cNvPr>
+              <p:cNvSpPr/>
+              <p:nvPr/>
+            </p:nvSpPr>
+            <p:spPr>
+              <a:xfrm>
+                <a:off x="2496000" y="4869000"/>
+                <a:ext cx="1260000" cy="360000"/>
+              </a:xfrm>
+              <a:prstGeom prst="roundRect">
+                <a:avLst/>
+              </a:prstGeom>
+              <a:solidFill>
+                <a:schemeClr val="bg1"/>
+              </a:solidFill>
+              <a:ln w="28575">
+                <a:solidFill>
+                  <a:srgbClr val="002060"/>
+                </a:solidFill>
+              </a:ln>
+            </p:spPr>
+            <p:style>
+              <a:lnRef idx="2">
+                <a:schemeClr val="accent1">
+                  <a:shade val="50000"/>
+                </a:schemeClr>
+              </a:lnRef>
+              <a:fillRef idx="1">
+                <a:schemeClr val="accent1"/>
+              </a:fillRef>
+              <a:effectRef idx="0">
+                <a:schemeClr val="accent1"/>
+              </a:effectRef>
+              <a:fontRef idx="minor">
+                <a:schemeClr val="lt1"/>
+              </a:fontRef>
+            </p:style>
+            <p:txBody>
+              <a:bodyPr rtlCol="0" anchor="ctr"/>
+              <a:lstStyle/>
+              <a:p>
+                <a:pPr algn="ctr"/>
+                <a:r>
+                  <a:rPr lang="fr-FR" sz="1100" b="1" dirty="0" smtClean="0">
+                    <a:solidFill>
+                      <a:schemeClr val="tx1"/>
+                    </a:solidFill>
+                    <a:latin typeface="Courier New" panose="02070309020205020404" pitchFamily="49" charset="0"/>
+                    <a:cs typeface="Courier New" panose="02070309020205020404" pitchFamily="49" charset="0"/>
+                  </a:rPr>
+                  <a:t>un_rec_v2(3)</a:t>
+                </a:r>
+                <a:endParaRPr lang="fr-FR" sz="1100" b="1" baseline="-25000" dirty="0">
+                  <a:solidFill>
+                    <a:schemeClr val="tx1"/>
+                  </a:solidFill>
+                  <a:latin typeface="Courier New" panose="02070309020205020404" pitchFamily="49" charset="0"/>
+                  <a:cs typeface="Courier New" panose="02070309020205020404" pitchFamily="49" charset="0"/>
+                </a:endParaRPr>
+              </a:p>
+            </p:txBody>
+          </p:sp>
+        </p:grpSp>
+        <p:sp>
+          <p:nvSpPr>
+            <p:cNvPr id="39" name="Rectangle : coins arrondis 4">
+              <a:extLst>
+                <a:ext uri="{FF2B5EF4-FFF2-40B4-BE49-F238E27FC236}">
+                  <a16:creationId xmlns:a16="http://schemas.microsoft.com/office/drawing/2014/main" id="{80D2817D-34CD-471A-9EF4-3CCD326AABD7}"/>
+                </a:ext>
+              </a:extLst>
+            </p:cNvPr>
+            <p:cNvSpPr/>
+            <p:nvPr/>
+          </p:nvSpPr>
+          <p:spPr>
+            <a:xfrm>
+              <a:off x="9876000" y="5267100"/>
+              <a:ext cx="1260000" cy="360000"/>
+            </a:xfrm>
+            <a:prstGeom prst="roundRect">
+              <a:avLst/>
+            </a:prstGeom>
+            <a:solidFill>
+              <a:schemeClr val="bg1"/>
+            </a:solidFill>
+            <a:ln w="28575">
+              <a:solidFill>
+                <a:srgbClr val="002060"/>
+              </a:solidFill>
+            </a:ln>
+          </p:spPr>
+          <p:style>
+            <a:lnRef idx="2">
+              <a:schemeClr val="accent1">
+                <a:shade val="50000"/>
+              </a:schemeClr>
+            </a:lnRef>
+            <a:fillRef idx="1">
+              <a:schemeClr val="accent1"/>
+            </a:fillRef>
+            <a:effectRef idx="0">
+              <a:schemeClr val="accent1"/>
+            </a:effectRef>
+            <a:fontRef idx="minor">
+              <a:schemeClr val="lt1"/>
+            </a:fontRef>
+          </p:style>
+          <p:txBody>
+            <a:bodyPr rtlCol="0" anchor="ctr"/>
+            <a:lstStyle/>
+            <a:p>
+              <a:pPr algn="ctr"/>
+              <a:r>
+                <a:rPr lang="fr-FR" sz="1100" b="1" dirty="0" smtClean="0">
+                  <a:solidFill>
+                    <a:schemeClr val="tx1"/>
+                  </a:solidFill>
+                  <a:latin typeface="Courier New" panose="02070309020205020404" pitchFamily="49" charset="0"/>
+                  <a:cs typeface="Courier New" panose="02070309020205020404" pitchFamily="49" charset="0"/>
+                </a:rPr>
+                <a:t>un_rec_v2(4)</a:t>
+              </a:r>
+              <a:endParaRPr lang="fr-FR" sz="1100" b="1" baseline="-25000" dirty="0">
+                <a:solidFill>
+                  <a:schemeClr val="tx1"/>
+                </a:solidFill>
+                <a:latin typeface="Courier New" panose="02070309020205020404" pitchFamily="49" charset="0"/>
+                <a:cs typeface="Courier New" panose="02070309020205020404" pitchFamily="49" charset="0"/>
+              </a:endParaRPr>
+            </a:p>
+          </p:txBody>
+        </p:sp>
+      </p:grpSp>
+      <p:cxnSp>
+        <p:nvCxnSpPr>
+          <p:cNvPr id="40" name="Connecteur droit 39">
+            <a:extLst>
+              <a:ext uri="{FF2B5EF4-FFF2-40B4-BE49-F238E27FC236}">
+                <a16:creationId xmlns:a16="http://schemas.microsoft.com/office/drawing/2014/main" id="{78A054E6-CCB6-4A26-9F3C-DD6A18724B17}"/>
+              </a:ext>
+            </a:extLst>
+          </p:cNvPr>
+          <p:cNvCxnSpPr>
+            <a:cxnSpLocks/>
+          </p:cNvCxnSpPr>
+          <p:nvPr/>
+        </p:nvCxnSpPr>
+        <p:spPr>
+          <a:xfrm flipV="1">
+            <a:off x="5372925" y="1801913"/>
+            <a:ext cx="318075" cy="167926"/>
+          </a:xfrm>
+          <a:prstGeom prst="line">
+            <a:avLst/>
+          </a:prstGeom>
+          <a:solidFill>
+            <a:schemeClr val="bg1"/>
+          </a:solidFill>
+          <a:ln w="12700">
+            <a:solidFill>
+              <a:srgbClr val="C00000"/>
+            </a:solidFill>
+            <a:headEnd w="med" len="lg"/>
+            <a:tailEnd type="stealth" w="med" len="lg"/>
+          </a:ln>
+        </p:spPr>
+        <p:style>
+          <a:lnRef idx="2">
+            <a:schemeClr val="accent1">
+              <a:shade val="50000"/>
+            </a:schemeClr>
+          </a:lnRef>
+          <a:fillRef idx="1">
+            <a:schemeClr val="accent1"/>
+          </a:fillRef>
+          <a:effectRef idx="0">
+            <a:schemeClr val="accent1"/>
+          </a:effectRef>
+          <a:fontRef idx="minor">
+            <a:schemeClr val="lt1"/>
+          </a:fontRef>
+        </p:style>
+      </p:cxnSp>
+      <p:sp>
+        <p:nvSpPr>
+          <p:cNvPr id="22" name="Rectangle 21"/>
+          <p:cNvSpPr/>
+          <p:nvPr/>
+        </p:nvSpPr>
+        <p:spPr>
+          <a:xfrm>
+            <a:off x="5691000" y="1663413"/>
+            <a:ext cx="795154" cy="276999"/>
+          </a:xfrm>
+          <a:prstGeom prst="rect">
+            <a:avLst/>
+          </a:prstGeom>
+        </p:spPr>
+        <p:txBody>
+          <a:bodyPr wrap="none">
+            <a:spAutoFit/>
+          </a:bodyPr>
+          <a:lstStyle/>
+          <a:p>
+            <a:pPr algn="ctr"/>
+            <a:r>
+              <a:rPr lang="fr-FR" sz="1200" dirty="0" smtClean="0">
+                <a:cs typeface="Courier New" panose="02070309020205020404" pitchFamily="49" charset="0"/>
+              </a:rPr>
+              <a:t>Renvoie 1</a:t>
+            </a:r>
+            <a:endParaRPr lang="fr-FR" sz="1200" baseline="-25000" dirty="0">
+              <a:cs typeface="Courier New" panose="02070309020205020404" pitchFamily="49" charset="0"/>
+            </a:endParaRPr>
+          </a:p>
+        </p:txBody>
+      </p:sp>
+      <p:cxnSp>
+        <p:nvCxnSpPr>
+          <p:cNvPr id="45" name="Connecteur droit 44">
+            <a:extLst>
+              <a:ext uri="{FF2B5EF4-FFF2-40B4-BE49-F238E27FC236}">
+                <a16:creationId xmlns:a16="http://schemas.microsoft.com/office/drawing/2014/main" id="{78A054E6-CCB6-4A26-9F3C-DD6A18724B17}"/>
+              </a:ext>
+            </a:extLst>
+          </p:cNvPr>
+          <p:cNvCxnSpPr>
+            <a:cxnSpLocks/>
+          </p:cNvCxnSpPr>
+          <p:nvPr/>
+        </p:nvCxnSpPr>
+        <p:spPr>
+          <a:xfrm flipV="1">
+            <a:off x="6816000" y="2161937"/>
+            <a:ext cx="318075" cy="167926"/>
+          </a:xfrm>
+          <a:prstGeom prst="line">
+            <a:avLst/>
+          </a:prstGeom>
+          <a:solidFill>
+            <a:schemeClr val="bg1"/>
+          </a:solidFill>
+          <a:ln w="12700">
+            <a:solidFill>
+              <a:srgbClr val="C00000"/>
+            </a:solidFill>
+            <a:headEnd w="med" len="lg"/>
+            <a:tailEnd type="stealth" w="med" len="lg"/>
+          </a:ln>
+        </p:spPr>
+        <p:style>
+          <a:lnRef idx="2">
+            <a:schemeClr val="accent1">
+              <a:shade val="50000"/>
+            </a:schemeClr>
+          </a:lnRef>
+          <a:fillRef idx="1">
+            <a:schemeClr val="accent1"/>
+          </a:fillRef>
+          <a:effectRef idx="0">
+            <a:schemeClr val="accent1"/>
+          </a:effectRef>
+          <a:fontRef idx="minor">
+            <a:schemeClr val="lt1"/>
+          </a:fontRef>
+        </p:style>
+      </p:cxnSp>
+      <p:sp>
+        <p:nvSpPr>
+          <p:cNvPr id="46" name="Rectangle 45"/>
+          <p:cNvSpPr/>
+          <p:nvPr/>
+        </p:nvSpPr>
+        <p:spPr>
+          <a:xfrm>
+            <a:off x="7094000" y="2023437"/>
+            <a:ext cx="875304" cy="276999"/>
+          </a:xfrm>
+          <a:prstGeom prst="rect">
+            <a:avLst/>
+          </a:prstGeom>
+        </p:spPr>
+        <p:txBody>
+          <a:bodyPr wrap="none">
+            <a:spAutoFit/>
+          </a:bodyPr>
+          <a:lstStyle/>
+          <a:p>
+            <a:r>
+              <a:rPr lang="fr-FR" sz="1200" dirty="0" smtClean="0">
+                <a:cs typeface="Courier New" panose="02070309020205020404" pitchFamily="49" charset="0"/>
+              </a:rPr>
+              <a:t>Renvoie u</a:t>
+            </a:r>
+            <a:r>
+              <a:rPr lang="fr-FR" sz="1200" baseline="-25000" dirty="0" smtClean="0">
+                <a:cs typeface="Courier New" panose="02070309020205020404" pitchFamily="49" charset="0"/>
+              </a:rPr>
+              <a:t>2</a:t>
+            </a:r>
+            <a:endParaRPr lang="fr-FR" sz="1200" baseline="-25000" dirty="0">
+              <a:cs typeface="Courier New" panose="02070309020205020404" pitchFamily="49" charset="0"/>
+            </a:endParaRPr>
+          </a:p>
+        </p:txBody>
+      </p:sp>
+      <p:cxnSp>
+        <p:nvCxnSpPr>
+          <p:cNvPr id="47" name="Connecteur droit 46">
+            <a:extLst>
+              <a:ext uri="{FF2B5EF4-FFF2-40B4-BE49-F238E27FC236}">
+                <a16:creationId xmlns:a16="http://schemas.microsoft.com/office/drawing/2014/main" id="{78A054E6-CCB6-4A26-9F3C-DD6A18724B17}"/>
+              </a:ext>
+            </a:extLst>
+          </p:cNvPr>
+          <p:cNvCxnSpPr>
+            <a:cxnSpLocks/>
+          </p:cNvCxnSpPr>
+          <p:nvPr/>
+        </p:nvCxnSpPr>
+        <p:spPr>
+          <a:xfrm flipV="1">
+            <a:off x="8256000" y="2533724"/>
+            <a:ext cx="318075" cy="167926"/>
+          </a:xfrm>
+          <a:prstGeom prst="line">
+            <a:avLst/>
+          </a:prstGeom>
+          <a:solidFill>
+            <a:schemeClr val="bg1"/>
+          </a:solidFill>
+          <a:ln w="12700">
+            <a:solidFill>
+              <a:srgbClr val="C00000"/>
+            </a:solidFill>
+            <a:headEnd w="med" len="lg"/>
+            <a:tailEnd type="stealth" w="med" len="lg"/>
+          </a:ln>
+        </p:spPr>
+        <p:style>
+          <a:lnRef idx="2">
+            <a:schemeClr val="accent1">
+              <a:shade val="50000"/>
+            </a:schemeClr>
+          </a:lnRef>
+          <a:fillRef idx="1">
+            <a:schemeClr val="accent1"/>
+          </a:fillRef>
+          <a:effectRef idx="0">
+            <a:schemeClr val="accent1"/>
+          </a:effectRef>
+          <a:fontRef idx="minor">
+            <a:schemeClr val="lt1"/>
+          </a:fontRef>
+        </p:style>
+      </p:cxnSp>
+      <p:sp>
+        <p:nvSpPr>
+          <p:cNvPr id="48" name="Rectangle 47"/>
+          <p:cNvSpPr/>
+          <p:nvPr/>
+        </p:nvSpPr>
+        <p:spPr>
+          <a:xfrm>
+            <a:off x="8534000" y="2395224"/>
+            <a:ext cx="848053" cy="276999"/>
+          </a:xfrm>
+          <a:prstGeom prst="rect">
+            <a:avLst/>
+          </a:prstGeom>
+        </p:spPr>
+        <p:txBody>
+          <a:bodyPr wrap="none">
+            <a:spAutoFit/>
+          </a:bodyPr>
+          <a:lstStyle/>
+          <a:p>
+            <a:r>
+              <a:rPr lang="fr-FR" sz="1200" dirty="0" smtClean="0">
+                <a:cs typeface="Courier New" panose="02070309020205020404" pitchFamily="49" charset="0"/>
+              </a:rPr>
+              <a:t>Renvoie u</a:t>
+            </a:r>
+            <a:r>
+              <a:rPr lang="fr-FR" sz="1200" baseline="-25000" dirty="0" smtClean="0">
+                <a:cs typeface="Courier New" panose="02070309020205020404" pitchFamily="49" charset="0"/>
+              </a:rPr>
+              <a:t>3</a:t>
+            </a:r>
+            <a:endParaRPr lang="fr-FR" sz="1200" baseline="-25000" dirty="0">
+              <a:cs typeface="Courier New" panose="02070309020205020404" pitchFamily="49" charset="0"/>
+            </a:endParaRPr>
+          </a:p>
+        </p:txBody>
+      </p:sp>
+      <p:cxnSp>
+        <p:nvCxnSpPr>
+          <p:cNvPr id="49" name="Connecteur droit 48">
+            <a:extLst>
+              <a:ext uri="{FF2B5EF4-FFF2-40B4-BE49-F238E27FC236}">
+                <a16:creationId xmlns:a16="http://schemas.microsoft.com/office/drawing/2014/main" id="{78A054E6-CCB6-4A26-9F3C-DD6A18724B17}"/>
+              </a:ext>
+            </a:extLst>
+          </p:cNvPr>
+          <p:cNvCxnSpPr>
+            <a:cxnSpLocks/>
+          </p:cNvCxnSpPr>
+          <p:nvPr/>
+        </p:nvCxnSpPr>
+        <p:spPr>
+          <a:xfrm flipV="1">
+            <a:off x="9741000" y="2893850"/>
+            <a:ext cx="318075" cy="167926"/>
+          </a:xfrm>
+          <a:prstGeom prst="line">
+            <a:avLst/>
+          </a:prstGeom>
+          <a:solidFill>
+            <a:schemeClr val="bg1"/>
+          </a:solidFill>
+          <a:ln w="12700">
+            <a:solidFill>
+              <a:srgbClr val="C00000"/>
+            </a:solidFill>
+            <a:headEnd w="med" len="lg"/>
+            <a:tailEnd type="stealth" w="med" len="lg"/>
+          </a:ln>
+        </p:spPr>
+        <p:style>
+          <a:lnRef idx="2">
+            <a:schemeClr val="accent1">
+              <a:shade val="50000"/>
+            </a:schemeClr>
+          </a:lnRef>
+          <a:fillRef idx="1">
+            <a:schemeClr val="accent1"/>
+          </a:fillRef>
+          <a:effectRef idx="0">
+            <a:schemeClr val="accent1"/>
+          </a:effectRef>
+          <a:fontRef idx="minor">
+            <a:schemeClr val="lt1"/>
+          </a:fontRef>
+        </p:style>
+      </p:cxnSp>
+      <p:sp>
+        <p:nvSpPr>
+          <p:cNvPr id="50" name="Rectangle 49"/>
+          <p:cNvSpPr/>
+          <p:nvPr/>
+        </p:nvSpPr>
+        <p:spPr>
+          <a:xfrm>
+            <a:off x="10019000" y="2755350"/>
+            <a:ext cx="848053" cy="276999"/>
+          </a:xfrm>
+          <a:prstGeom prst="rect">
+            <a:avLst/>
+          </a:prstGeom>
+        </p:spPr>
+        <p:txBody>
+          <a:bodyPr wrap="none">
+            <a:spAutoFit/>
+          </a:bodyPr>
+          <a:lstStyle/>
+          <a:p>
+            <a:r>
+              <a:rPr lang="fr-FR" sz="1200" smtClean="0">
+                <a:cs typeface="Courier New" panose="02070309020205020404" pitchFamily="49" charset="0"/>
+              </a:rPr>
+              <a:t>Renvoie u</a:t>
+            </a:r>
+            <a:r>
+              <a:rPr lang="fr-FR" sz="1200" baseline="-25000" smtClean="0">
+                <a:cs typeface="Courier New" panose="02070309020205020404" pitchFamily="49" charset="0"/>
+              </a:rPr>
+              <a:t>4</a:t>
+            </a:r>
+            <a:endParaRPr lang="fr-FR" sz="1200" baseline="-25000" dirty="0">
+              <a:cs typeface="Courier New" panose="02070309020205020404" pitchFamily="49" charset="0"/>
+            </a:endParaRPr>
+          </a:p>
+        </p:txBody>
+      </p:sp>
+    </p:spTree>
+    <p:extLst>
+      <p:ext uri="{BB962C8B-B14F-4D97-AF65-F5344CB8AC3E}">
+        <p14:creationId xmlns:p14="http://schemas.microsoft.com/office/powerpoint/2010/main" val="3181649970"/>
+      </p:ext>
+    </p:extLst>
+  </p:cSld>
+  <p:clrMapOvr>
+    <a:masterClrMapping/>
+  </p:clrMapOvr>
+</p:sld>
+</file>
+
 <file path=ppt/theme/theme1.xml><?xml version="1.0" encoding="utf-8"?>
 <a:theme xmlns:a="http://schemas.openxmlformats.org/drawingml/2006/main" name="Thème Office">
   <a:themeElements>

--- a/Fiches/Fiche_05_FonctionsRecursives/images/Figures.pptx
+++ b/Fiches/Fiche_05_FonctionsRecursives/images/Figures.pptx
@@ -273,7 +273,7 @@
           <a:p>
             <a:fld id="{D460594C-359E-483B-803F-9BA9AB3A558A}" type="datetimeFigureOut">
               <a:rPr lang="fr-FR" smtClean="0"/>
-              <a:t>11/01/2022</a:t>
+              <a:t>12/01/2022</a:t>
             </a:fld>
             <a:endParaRPr lang="fr-FR"/>
           </a:p>
@@ -471,7 +471,7 @@
           <a:p>
             <a:fld id="{D460594C-359E-483B-803F-9BA9AB3A558A}" type="datetimeFigureOut">
               <a:rPr lang="fr-FR" smtClean="0"/>
-              <a:t>11/01/2022</a:t>
+              <a:t>12/01/2022</a:t>
             </a:fld>
             <a:endParaRPr lang="fr-FR"/>
           </a:p>
@@ -679,7 +679,7 @@
           <a:p>
             <a:fld id="{D460594C-359E-483B-803F-9BA9AB3A558A}" type="datetimeFigureOut">
               <a:rPr lang="fr-FR" smtClean="0"/>
-              <a:t>11/01/2022</a:t>
+              <a:t>12/01/2022</a:t>
             </a:fld>
             <a:endParaRPr lang="fr-FR"/>
           </a:p>
@@ -877,7 +877,7 @@
           <a:p>
             <a:fld id="{D460594C-359E-483B-803F-9BA9AB3A558A}" type="datetimeFigureOut">
               <a:rPr lang="fr-FR" smtClean="0"/>
-              <a:t>11/01/2022</a:t>
+              <a:t>12/01/2022</a:t>
             </a:fld>
             <a:endParaRPr lang="fr-FR"/>
           </a:p>
@@ -1152,7 +1152,7 @@
           <a:p>
             <a:fld id="{D460594C-359E-483B-803F-9BA9AB3A558A}" type="datetimeFigureOut">
               <a:rPr lang="fr-FR" smtClean="0"/>
-              <a:t>11/01/2022</a:t>
+              <a:t>12/01/2022</a:t>
             </a:fld>
             <a:endParaRPr lang="fr-FR"/>
           </a:p>
@@ -1417,7 +1417,7 @@
           <a:p>
             <a:fld id="{D460594C-359E-483B-803F-9BA9AB3A558A}" type="datetimeFigureOut">
               <a:rPr lang="fr-FR" smtClean="0"/>
-              <a:t>11/01/2022</a:t>
+              <a:t>12/01/2022</a:t>
             </a:fld>
             <a:endParaRPr lang="fr-FR"/>
           </a:p>
@@ -1829,7 +1829,7 @@
           <a:p>
             <a:fld id="{D460594C-359E-483B-803F-9BA9AB3A558A}" type="datetimeFigureOut">
               <a:rPr lang="fr-FR" smtClean="0"/>
-              <a:t>11/01/2022</a:t>
+              <a:t>12/01/2022</a:t>
             </a:fld>
             <a:endParaRPr lang="fr-FR"/>
           </a:p>
@@ -1970,7 +1970,7 @@
           <a:p>
             <a:fld id="{D460594C-359E-483B-803F-9BA9AB3A558A}" type="datetimeFigureOut">
               <a:rPr lang="fr-FR" smtClean="0"/>
-              <a:t>11/01/2022</a:t>
+              <a:t>12/01/2022</a:t>
             </a:fld>
             <a:endParaRPr lang="fr-FR"/>
           </a:p>
@@ -2083,7 +2083,7 @@
           <a:p>
             <a:fld id="{D460594C-359E-483B-803F-9BA9AB3A558A}" type="datetimeFigureOut">
               <a:rPr lang="fr-FR" smtClean="0"/>
-              <a:t>11/01/2022</a:t>
+              <a:t>12/01/2022</a:t>
             </a:fld>
             <a:endParaRPr lang="fr-FR"/>
           </a:p>
@@ -2394,7 +2394,7 @@
           <a:p>
             <a:fld id="{D460594C-359E-483B-803F-9BA9AB3A558A}" type="datetimeFigureOut">
               <a:rPr lang="fr-FR" smtClean="0"/>
-              <a:t>11/01/2022</a:t>
+              <a:t>12/01/2022</a:t>
             </a:fld>
             <a:endParaRPr lang="fr-FR"/>
           </a:p>
@@ -2682,7 +2682,7 @@
           <a:p>
             <a:fld id="{D460594C-359E-483B-803F-9BA9AB3A558A}" type="datetimeFigureOut">
               <a:rPr lang="fr-FR" smtClean="0"/>
-              <a:t>11/01/2022</a:t>
+              <a:t>12/01/2022</a:t>
             </a:fld>
             <a:endParaRPr lang="fr-FR"/>
           </a:p>
@@ -2923,7 +2923,7 @@
           <a:p>
             <a:fld id="{D460594C-359E-483B-803F-9BA9AB3A558A}" type="datetimeFigureOut">
               <a:rPr lang="fr-FR" smtClean="0"/>
-              <a:t>11/01/2022</a:t>
+              <a:t>12/01/2022</a:t>
             </a:fld>
             <a:endParaRPr lang="fr-FR"/>
           </a:p>
@@ -7928,7 +7928,7 @@
             <a:p>
               <a:pPr algn="ctr"/>
               <a:r>
-                <a:rPr lang="fr-FR" sz="1100" b="1" dirty="0" smtClean="0">
+                <a:rPr lang="fr-FR" sz="1100" b="1" dirty="0">
                   <a:solidFill>
                     <a:schemeClr val="tx1"/>
                   </a:solidFill>
@@ -8012,7 +8012,7 @@
               <a:p>
                 <a:pPr algn="ctr"/>
                 <a:r>
-                  <a:rPr lang="fr-FR" sz="1100" b="1" dirty="0" smtClean="0">
+                  <a:rPr lang="fr-FR" sz="1100" b="1" dirty="0">
                     <a:solidFill>
                       <a:schemeClr val="tx1"/>
                     </a:solidFill>
@@ -8082,7 +8082,7 @@
               <a:p>
                 <a:pPr algn="ctr"/>
                 <a:r>
-                  <a:rPr lang="fr-FR" sz="1100" b="1" dirty="0" smtClean="0">
+                  <a:rPr lang="fr-FR" sz="1100" b="1" dirty="0">
                     <a:solidFill>
                       <a:schemeClr val="tx1"/>
                     </a:solidFill>
@@ -8167,7 +8167,7 @@
               <a:p>
                 <a:pPr algn="ctr"/>
                 <a:r>
-                  <a:rPr lang="fr-FR" sz="1100" b="1" dirty="0" smtClean="0">
+                  <a:rPr lang="fr-FR" sz="1100" b="1" dirty="0">
                     <a:solidFill>
                       <a:schemeClr val="tx1"/>
                     </a:solidFill>
@@ -8237,7 +8237,7 @@
               <a:p>
                 <a:pPr algn="ctr"/>
                 <a:r>
-                  <a:rPr lang="fr-FR" sz="1100" b="1" dirty="0" smtClean="0">
+                  <a:rPr lang="fr-FR" sz="1100" b="1" dirty="0">
                     <a:solidFill>
                       <a:schemeClr val="tx1"/>
                     </a:solidFill>
@@ -8307,7 +8307,7 @@
               <a:p>
                 <a:pPr algn="ctr"/>
                 <a:r>
-                  <a:rPr lang="fr-FR" sz="1100" b="1" dirty="0" smtClean="0">
+                  <a:rPr lang="fr-FR" sz="1100" b="1" dirty="0">
                     <a:solidFill>
                       <a:schemeClr val="tx1"/>
                     </a:solidFill>
@@ -8392,7 +8392,7 @@
               <a:p>
                 <a:pPr algn="ctr"/>
                 <a:r>
-                  <a:rPr lang="fr-FR" sz="1100" b="1" dirty="0" smtClean="0">
+                  <a:rPr lang="fr-FR" sz="1100" b="1" dirty="0">
                     <a:solidFill>
                       <a:schemeClr val="tx1"/>
                     </a:solidFill>
@@ -8462,7 +8462,7 @@
               <a:p>
                 <a:pPr algn="ctr"/>
                 <a:r>
-                  <a:rPr lang="fr-FR" sz="1100" b="1" dirty="0" smtClean="0">
+                  <a:rPr lang="fr-FR" sz="1100" b="1" dirty="0">
                     <a:solidFill>
                       <a:schemeClr val="tx1"/>
                     </a:solidFill>
@@ -8532,7 +8532,7 @@
               <a:p>
                 <a:pPr algn="ctr"/>
                 <a:r>
-                  <a:rPr lang="fr-FR" sz="1100" b="1" dirty="0" smtClean="0">
+                  <a:rPr lang="fr-FR" sz="1100" b="1" dirty="0">
                     <a:solidFill>
                       <a:schemeClr val="tx1"/>
                     </a:solidFill>
@@ -8602,7 +8602,7 @@
               <a:p>
                 <a:pPr algn="ctr"/>
                 <a:r>
-                  <a:rPr lang="fr-FR" sz="1100" b="1" dirty="0" smtClean="0">
+                  <a:rPr lang="fr-FR" sz="1100" b="1" dirty="0">
                     <a:solidFill>
                       <a:schemeClr val="tx1"/>
                     </a:solidFill>
@@ -8687,7 +8687,7 @@
               <a:p>
                 <a:pPr algn="ctr"/>
                 <a:r>
-                  <a:rPr lang="fr-FR" sz="1100" b="1" dirty="0" smtClean="0">
+                  <a:rPr lang="fr-FR" sz="1100" b="1" dirty="0">
                     <a:solidFill>
                       <a:schemeClr val="tx1"/>
                     </a:solidFill>
@@ -8757,7 +8757,7 @@
               <a:p>
                 <a:pPr algn="ctr"/>
                 <a:r>
-                  <a:rPr lang="fr-FR" sz="1100" b="1" dirty="0" smtClean="0">
+                  <a:rPr lang="fr-FR" sz="1100" b="1" dirty="0">
                     <a:solidFill>
                       <a:schemeClr val="tx1"/>
                     </a:solidFill>
@@ -8827,7 +8827,7 @@
               <a:p>
                 <a:pPr algn="ctr"/>
                 <a:r>
-                  <a:rPr lang="fr-FR" sz="1100" b="1" dirty="0" smtClean="0">
+                  <a:rPr lang="fr-FR" sz="1100" b="1" dirty="0">
                     <a:solidFill>
                       <a:schemeClr val="tx1"/>
                     </a:solidFill>
@@ -8912,7 +8912,7 @@
               <a:p>
                 <a:pPr algn="ctr"/>
                 <a:r>
-                  <a:rPr lang="fr-FR" sz="1100" b="1" dirty="0" smtClean="0">
+                  <a:rPr lang="fr-FR" sz="1100" b="1" dirty="0">
                     <a:solidFill>
                       <a:schemeClr val="tx1"/>
                     </a:solidFill>
@@ -8982,7 +8982,7 @@
               <a:p>
                 <a:pPr algn="ctr"/>
                 <a:r>
-                  <a:rPr lang="fr-FR" sz="1100" b="1" dirty="0" smtClean="0">
+                  <a:rPr lang="fr-FR" sz="1100" b="1" dirty="0">
                     <a:solidFill>
                       <a:schemeClr val="tx1"/>
                     </a:solidFill>
@@ -9053,7 +9053,7 @@
             <a:p>
               <a:pPr algn="ctr"/>
               <a:r>
-                <a:rPr lang="fr-FR" sz="1100" b="1" dirty="0" smtClean="0">
+                <a:rPr lang="fr-FR" sz="1100" b="1" dirty="0">
                   <a:solidFill>
                     <a:schemeClr val="tx1"/>
                   </a:solidFill>
@@ -9131,8 +9131,8 @@
         </p:nvSpPr>
         <p:spPr>
           <a:xfrm>
-            <a:off x="5691000" y="1663413"/>
-            <a:ext cx="795154" cy="276999"/>
+            <a:off x="5573180" y="1663413"/>
+            <a:ext cx="1030796" cy="276999"/>
           </a:xfrm>
           <a:prstGeom prst="rect">
             <a:avLst/>
@@ -9146,10 +9146,22 @@
           <a:p>
             <a:pPr algn="ctr"/>
             <a:r>
-              <a:rPr lang="fr-FR" sz="1200" dirty="0" smtClean="0">
+              <a:rPr lang="fr-FR" sz="1200" dirty="0">
                 <a:cs typeface="Courier New" panose="02070309020205020404" pitchFamily="49" charset="0"/>
               </a:rPr>
-              <a:t>Renvoie 1</a:t>
+              <a:t>Renvoie u</a:t>
+            </a:r>
+            <a:r>
+              <a:rPr lang="fr-FR" sz="1200" baseline="-25000" dirty="0">
+                <a:cs typeface="Courier New" panose="02070309020205020404" pitchFamily="49" charset="0"/>
+              </a:rPr>
+              <a:t>1</a:t>
+            </a:r>
+            <a:r>
+              <a:rPr lang="fr-FR" sz="1200" dirty="0">
+                <a:cs typeface="Courier New" panose="02070309020205020404" pitchFamily="49" charset="0"/>
+              </a:rPr>
+              <a:t>=1</a:t>
             </a:r>
             <a:endParaRPr lang="fr-FR" sz="1200" baseline="-25000" dirty="0">
               <a:cs typeface="Courier New" panose="02070309020205020404" pitchFamily="49" charset="0"/>
@@ -9229,20 +9241,17 @@
           <a:lstStyle/>
           <a:p>
             <a:r>
-              <a:rPr lang="fr-FR" sz="1200" dirty="0" smtClean="0">
+              <a:rPr lang="fr-FR" sz="1200" dirty="0">
                 <a:cs typeface="Courier New" panose="02070309020205020404" pitchFamily="49" charset="0"/>
               </a:rPr>
               <a:t>Renvoie u</a:t>
             </a:r>
             <a:r>
-              <a:rPr lang="fr-FR" sz="1200" baseline="-25000" dirty="0" smtClean="0">
+              <a:rPr lang="fr-FR" sz="1200" baseline="-25000" dirty="0">
                 <a:cs typeface="Courier New" panose="02070309020205020404" pitchFamily="49" charset="0"/>
               </a:rPr>
               <a:t>2</a:t>
             </a:r>
-            <a:endParaRPr lang="fr-FR" sz="1200" baseline="-25000" dirty="0">
-              <a:cs typeface="Courier New" panose="02070309020205020404" pitchFamily="49" charset="0"/>
-            </a:endParaRPr>
           </a:p>
         </p:txBody>
       </p:sp>
@@ -9318,20 +9327,17 @@
           <a:lstStyle/>
           <a:p>
             <a:r>
-              <a:rPr lang="fr-FR" sz="1200" dirty="0" smtClean="0">
+              <a:rPr lang="fr-FR" sz="1200" dirty="0">
                 <a:cs typeface="Courier New" panose="02070309020205020404" pitchFamily="49" charset="0"/>
               </a:rPr>
               <a:t>Renvoie u</a:t>
             </a:r>
             <a:r>
-              <a:rPr lang="fr-FR" sz="1200" baseline="-25000" dirty="0" smtClean="0">
+              <a:rPr lang="fr-FR" sz="1200" baseline="-25000" dirty="0">
                 <a:cs typeface="Courier New" panose="02070309020205020404" pitchFamily="49" charset="0"/>
               </a:rPr>
               <a:t>3</a:t>
             </a:r>
-            <a:endParaRPr lang="fr-FR" sz="1200" baseline="-25000" dirty="0">
-              <a:cs typeface="Courier New" panose="02070309020205020404" pitchFamily="49" charset="0"/>
-            </a:endParaRPr>
           </a:p>
         </p:txBody>
       </p:sp>
@@ -9407,13 +9413,13 @@
           <a:lstStyle/>
           <a:p>
             <a:r>
-              <a:rPr lang="fr-FR" sz="1200" smtClean="0">
+              <a:rPr lang="fr-FR" sz="1200">
                 <a:cs typeface="Courier New" panose="02070309020205020404" pitchFamily="49" charset="0"/>
               </a:rPr>
               <a:t>Renvoie u</a:t>
             </a:r>
             <a:r>
-              <a:rPr lang="fr-FR" sz="1200" baseline="-25000" smtClean="0">
+              <a:rPr lang="fr-FR" sz="1200" baseline="-25000">
                 <a:cs typeface="Courier New" panose="02070309020205020404" pitchFamily="49" charset="0"/>
               </a:rPr>
               <a:t>4</a:t>
